--- a/report/IIPF/Figure.pptx
+++ b/report/IIPF/Figure.pptx
@@ -270,7 +270,7 @@
           <a:p>
             <a:fld id="{1895901F-5BC1-41ED-BB89-8A6C84DB4CE2}" type="datetimeFigureOut">
               <a:rPr kumimoji="1" lang="ja-JP" altLang="en-US" smtClean="0"/>
-              <a:t>2021/8/7</a:t>
+              <a:t>2021/8/10</a:t>
             </a:fld>
             <a:endParaRPr kumimoji="1" lang="ja-JP" altLang="en-US"/>
           </a:p>
@@ -500,7 +500,7 @@
           <a:p>
             <a:fld id="{1895901F-5BC1-41ED-BB89-8A6C84DB4CE2}" type="datetimeFigureOut">
               <a:rPr kumimoji="1" lang="ja-JP" altLang="en-US" smtClean="0"/>
-              <a:t>2021/8/7</a:t>
+              <a:t>2021/8/10</a:t>
             </a:fld>
             <a:endParaRPr kumimoji="1" lang="ja-JP" altLang="en-US"/>
           </a:p>
@@ -740,7 +740,7 @@
           <a:p>
             <a:fld id="{1895901F-5BC1-41ED-BB89-8A6C84DB4CE2}" type="datetimeFigureOut">
               <a:rPr kumimoji="1" lang="ja-JP" altLang="en-US" smtClean="0"/>
-              <a:t>2021/8/7</a:t>
+              <a:t>2021/8/10</a:t>
             </a:fld>
             <a:endParaRPr kumimoji="1" lang="ja-JP" altLang="en-US"/>
           </a:p>
@@ -970,7 +970,7 @@
           <a:p>
             <a:fld id="{1895901F-5BC1-41ED-BB89-8A6C84DB4CE2}" type="datetimeFigureOut">
               <a:rPr kumimoji="1" lang="ja-JP" altLang="en-US" smtClean="0"/>
-              <a:t>2021/8/7</a:t>
+              <a:t>2021/8/10</a:t>
             </a:fld>
             <a:endParaRPr kumimoji="1" lang="ja-JP" altLang="en-US"/>
           </a:p>
@@ -1245,7 +1245,7 @@
           <a:p>
             <a:fld id="{1895901F-5BC1-41ED-BB89-8A6C84DB4CE2}" type="datetimeFigureOut">
               <a:rPr kumimoji="1" lang="ja-JP" altLang="en-US" smtClean="0"/>
-              <a:t>2021/8/7</a:t>
+              <a:t>2021/8/10</a:t>
             </a:fld>
             <a:endParaRPr kumimoji="1" lang="ja-JP" altLang="en-US"/>
           </a:p>
@@ -1574,7 +1574,7 @@
           <a:p>
             <a:fld id="{1895901F-5BC1-41ED-BB89-8A6C84DB4CE2}" type="datetimeFigureOut">
               <a:rPr kumimoji="1" lang="ja-JP" altLang="en-US" smtClean="0"/>
-              <a:t>2021/8/7</a:t>
+              <a:t>2021/8/10</a:t>
             </a:fld>
             <a:endParaRPr kumimoji="1" lang="ja-JP" altLang="en-US"/>
           </a:p>
@@ -2050,7 +2050,7 @@
           <a:p>
             <a:fld id="{1895901F-5BC1-41ED-BB89-8A6C84DB4CE2}" type="datetimeFigureOut">
               <a:rPr kumimoji="1" lang="ja-JP" altLang="en-US" smtClean="0"/>
-              <a:t>2021/8/7</a:t>
+              <a:t>2021/8/10</a:t>
             </a:fld>
             <a:endParaRPr kumimoji="1" lang="ja-JP" altLang="en-US"/>
           </a:p>
@@ -2191,7 +2191,7 @@
           <a:p>
             <a:fld id="{1895901F-5BC1-41ED-BB89-8A6C84DB4CE2}" type="datetimeFigureOut">
               <a:rPr kumimoji="1" lang="ja-JP" altLang="en-US" smtClean="0"/>
-              <a:t>2021/8/7</a:t>
+              <a:t>2021/8/10</a:t>
             </a:fld>
             <a:endParaRPr kumimoji="1" lang="ja-JP" altLang="en-US"/>
           </a:p>
@@ -2304,7 +2304,7 @@
           <a:p>
             <a:fld id="{1895901F-5BC1-41ED-BB89-8A6C84DB4CE2}" type="datetimeFigureOut">
               <a:rPr kumimoji="1" lang="ja-JP" altLang="en-US" smtClean="0"/>
-              <a:t>2021/8/7</a:t>
+              <a:t>2021/8/10</a:t>
             </a:fld>
             <a:endParaRPr kumimoji="1" lang="ja-JP" altLang="en-US"/>
           </a:p>
@@ -2647,7 +2647,7 @@
           <a:p>
             <a:fld id="{1895901F-5BC1-41ED-BB89-8A6C84DB4CE2}" type="datetimeFigureOut">
               <a:rPr kumimoji="1" lang="ja-JP" altLang="en-US" smtClean="0"/>
-              <a:t>2021/8/7</a:t>
+              <a:t>2021/8/10</a:t>
             </a:fld>
             <a:endParaRPr kumimoji="1" lang="ja-JP" altLang="en-US"/>
           </a:p>
@@ -2935,7 +2935,7 @@
           <a:p>
             <a:fld id="{1895901F-5BC1-41ED-BB89-8A6C84DB4CE2}" type="datetimeFigureOut">
               <a:rPr kumimoji="1" lang="ja-JP" altLang="en-US" smtClean="0"/>
-              <a:t>2021/8/7</a:t>
+              <a:t>2021/8/10</a:t>
             </a:fld>
             <a:endParaRPr kumimoji="1" lang="ja-JP" altLang="en-US"/>
           </a:p>
@@ -3208,7 +3208,7 @@
           <a:p>
             <a:fld id="{1895901F-5BC1-41ED-BB89-8A6C84DB4CE2}" type="datetimeFigureOut">
               <a:rPr kumimoji="1" lang="ja-JP" altLang="en-US" smtClean="0"/>
-              <a:t>2021/8/7</a:t>
+              <a:t>2021/8/10</a:t>
             </a:fld>
             <a:endParaRPr kumimoji="1" lang="ja-JP" altLang="en-US"/>
           </a:p>
@@ -4748,8 +4748,12 @@
           </a:p>
           <a:p>
             <a:r>
+              <a:rPr lang="en-US" altLang="ja-JP" dirty="0"/>
+              <a:t>the</a:t>
+            </a:r>
+            <a:r>
               <a:rPr kumimoji="1" lang="en-US" altLang="ja-JP" dirty="0"/>
-              <a:t>a effect like “substitution effect”</a:t>
+              <a:t> effect like “substitution effect”</a:t>
             </a:r>
           </a:p>
           <a:p>
